--- a/Hashicorp_devstack.pptx
+++ b/Hashicorp_devstack.pptx
@@ -23,6 +23,9 @@
     <p:sldId id="273" r:id="rId17"/>
     <p:sldId id="274" r:id="rId18"/>
     <p:sldId id="275" r:id="rId19"/>
+    <p:sldId id="277" r:id="rId20"/>
+    <p:sldId id="278" r:id="rId21"/>
+    <p:sldId id="279" r:id="rId22"/>
   </p:sldIdLst>
   <p:sldSz cx="12192000" cy="6858000"/>
   <p:notesSz cx="6858000" cy="9144000"/>
@@ -121,6 +124,11 @@
       </a:defRPr>
     </a:lvl9pPr>
   </p:defaultTextStyle>
+  <p:extLst>
+    <p:ext uri="{EFAFB233-063F-42B5-8137-9DF3F51BA10A}">
+      <p15:sldGuideLst xmlns:p15="http://schemas.microsoft.com/office/powerpoint/2012/main"/>
+    </p:ext>
+  </p:extLst>
 </p:presentation>
 </file>
 
@@ -255,7 +263,7 @@
           <a:p>
             <a:fld id="{EE50AD19-05E2-2C44-8AE2-00410210BBEB}" type="datetimeFigureOut">
               <a:rPr lang="en-US" smtClean="0"/>
-              <a:t>5/2/15</a:t>
+              <a:t>5/4/15</a:t>
             </a:fld>
             <a:endParaRPr lang="en-US"/>
           </a:p>
@@ -425,7 +433,7 @@
           <a:p>
             <a:fld id="{EE50AD19-05E2-2C44-8AE2-00410210BBEB}" type="datetimeFigureOut">
               <a:rPr lang="en-US" smtClean="0"/>
-              <a:t>5/2/15</a:t>
+              <a:t>5/4/15</a:t>
             </a:fld>
             <a:endParaRPr lang="en-US"/>
           </a:p>
@@ -605,7 +613,7 @@
           <a:p>
             <a:fld id="{EE50AD19-05E2-2C44-8AE2-00410210BBEB}" type="datetimeFigureOut">
               <a:rPr lang="en-US" smtClean="0"/>
-              <a:t>5/2/15</a:t>
+              <a:t>5/4/15</a:t>
             </a:fld>
             <a:endParaRPr lang="en-US"/>
           </a:p>
@@ -775,7 +783,7 @@
           <a:p>
             <a:fld id="{EE50AD19-05E2-2C44-8AE2-00410210BBEB}" type="datetimeFigureOut">
               <a:rPr lang="en-US" smtClean="0"/>
-              <a:t>5/2/15</a:t>
+              <a:t>5/4/15</a:t>
             </a:fld>
             <a:endParaRPr lang="en-US"/>
           </a:p>
@@ -1021,7 +1029,7 @@
           <a:p>
             <a:fld id="{EE50AD19-05E2-2C44-8AE2-00410210BBEB}" type="datetimeFigureOut">
               <a:rPr lang="en-US" smtClean="0"/>
-              <a:t>5/2/15</a:t>
+              <a:t>5/4/15</a:t>
             </a:fld>
             <a:endParaRPr lang="en-US"/>
           </a:p>
@@ -1253,7 +1261,7 @@
           <a:p>
             <a:fld id="{EE50AD19-05E2-2C44-8AE2-00410210BBEB}" type="datetimeFigureOut">
               <a:rPr lang="en-US" smtClean="0"/>
-              <a:t>5/2/15</a:t>
+              <a:t>5/4/15</a:t>
             </a:fld>
             <a:endParaRPr lang="en-US"/>
           </a:p>
@@ -1620,7 +1628,7 @@
           <a:p>
             <a:fld id="{EE50AD19-05E2-2C44-8AE2-00410210BBEB}" type="datetimeFigureOut">
               <a:rPr lang="en-US" smtClean="0"/>
-              <a:t>5/2/15</a:t>
+              <a:t>5/4/15</a:t>
             </a:fld>
             <a:endParaRPr lang="en-US"/>
           </a:p>
@@ -1738,7 +1746,7 @@
           <a:p>
             <a:fld id="{EE50AD19-05E2-2C44-8AE2-00410210BBEB}" type="datetimeFigureOut">
               <a:rPr lang="en-US" smtClean="0"/>
-              <a:t>5/2/15</a:t>
+              <a:t>5/4/15</a:t>
             </a:fld>
             <a:endParaRPr lang="en-US"/>
           </a:p>
@@ -1833,7 +1841,7 @@
           <a:p>
             <a:fld id="{EE50AD19-05E2-2C44-8AE2-00410210BBEB}" type="datetimeFigureOut">
               <a:rPr lang="en-US" smtClean="0"/>
-              <a:t>5/2/15</a:t>
+              <a:t>5/4/15</a:t>
             </a:fld>
             <a:endParaRPr lang="en-US"/>
           </a:p>
@@ -2110,7 +2118,7 @@
           <a:p>
             <a:fld id="{EE50AD19-05E2-2C44-8AE2-00410210BBEB}" type="datetimeFigureOut">
               <a:rPr lang="en-US" smtClean="0"/>
-              <a:t>5/2/15</a:t>
+              <a:t>5/4/15</a:t>
             </a:fld>
             <a:endParaRPr lang="en-US"/>
           </a:p>
@@ -2363,7 +2371,7 @@
           <a:p>
             <a:fld id="{EE50AD19-05E2-2C44-8AE2-00410210BBEB}" type="datetimeFigureOut">
               <a:rPr lang="en-US" smtClean="0"/>
-              <a:t>5/2/15</a:t>
+              <a:t>5/4/15</a:t>
             </a:fld>
             <a:endParaRPr lang="en-US"/>
           </a:p>
@@ -2576,7 +2584,7 @@
           <a:p>
             <a:fld id="{EE50AD19-05E2-2C44-8AE2-00410210BBEB}" type="datetimeFigureOut">
               <a:rPr lang="en-US" smtClean="0"/>
-              <a:t>5/2/15</a:t>
+              <a:t>5/4/15</a:t>
             </a:fld>
             <a:endParaRPr lang="en-US"/>
           </a:p>
@@ -5287,7 +5295,6 @@
                         <a:rPr lang="en-US" b="0" dirty="0" smtClean="0"/>
                         <a:t> </a:t>
                       </a:r>
-                      <a:endParaRPr lang="en-US" b="0" dirty="0" smtClean="0"/>
                     </a:p>
                     <a:p>
                       <a:pPr marL="0" marR="0" indent="0" algn="l" defTabSz="914400" rtl="0" eaLnBrk="1" fontAlgn="auto" latinLnBrk="0" hangingPunct="1">
@@ -6801,6 +6808,78 @@
 </p:sld>
 </file>
 
+<file path=ppt/slides/slide19.xml><?xml version="1.0" encoding="utf-8"?>
+<p:sld xmlns:a="http://schemas.openxmlformats.org/drawingml/2006/main" xmlns:r="http://schemas.openxmlformats.org/officeDocument/2006/relationships" xmlns:p="http://schemas.openxmlformats.org/presentationml/2006/main">
+  <p:cSld>
+    <p:spTree>
+      <p:nvGrpSpPr>
+        <p:cNvPr id="1" name=""/>
+        <p:cNvGrpSpPr/>
+        <p:nvPr/>
+      </p:nvGrpSpPr>
+      <p:grpSpPr>
+        <a:xfrm>
+          <a:off x="0" y="0"/>
+          <a:ext cx="0" cy="0"/>
+          <a:chOff x="0" y="0"/>
+          <a:chExt cx="0" cy="0"/>
+        </a:xfrm>
+      </p:grpSpPr>
+      <p:sp>
+        <p:nvSpPr>
+          <p:cNvPr id="2" name="Title 1"/>
+          <p:cNvSpPr>
+            <a:spLocks noGrp="1"/>
+          </p:cNvSpPr>
+          <p:nvPr>
+            <p:ph type="title"/>
+          </p:nvPr>
+        </p:nvSpPr>
+        <p:spPr/>
+        <p:txBody>
+          <a:bodyPr/>
+          <a:lstStyle/>
+          <a:p>
+            <a:r>
+              <a:rPr lang="en-US" dirty="0" smtClean="0"/>
+              <a:t>Packer template and packer push</a:t>
+            </a:r>
+            <a:endParaRPr lang="en-US" dirty="0"/>
+          </a:p>
+        </p:txBody>
+      </p:sp>
+      <p:sp>
+        <p:nvSpPr>
+          <p:cNvPr id="3" name="Content Placeholder 2"/>
+          <p:cNvSpPr>
+            <a:spLocks noGrp="1"/>
+          </p:cNvSpPr>
+          <p:nvPr>
+            <p:ph idx="1"/>
+          </p:nvPr>
+        </p:nvSpPr>
+        <p:spPr/>
+        <p:txBody>
+          <a:bodyPr/>
+          <a:lstStyle/>
+          <a:p>
+            <a:endParaRPr lang="en-US"/>
+          </a:p>
+        </p:txBody>
+      </p:sp>
+    </p:spTree>
+    <p:extLst>
+      <p:ext uri="{BB962C8B-B14F-4D97-AF65-F5344CB8AC3E}">
+        <p14:creationId xmlns:p14="http://schemas.microsoft.com/office/powerpoint/2010/main" val="304089172"/>
+      </p:ext>
+    </p:extLst>
+  </p:cSld>
+  <p:clrMapOvr>
+    <a:masterClrMapping/>
+  </p:clrMapOvr>
+</p:sld>
+</file>
+
 <file path=ppt/slides/slide2.xml><?xml version="1.0" encoding="utf-8"?>
 <p:sld xmlns:a="http://schemas.openxmlformats.org/drawingml/2006/main" xmlns:r="http://schemas.openxmlformats.org/officeDocument/2006/relationships" xmlns:p="http://schemas.openxmlformats.org/presentationml/2006/main">
   <p:cSld>
@@ -7000,6 +7079,156 @@
       </p:par>
     </p:tnLst>
   </p:timing>
+</p:sld>
+</file>
+
+<file path=ppt/slides/slide20.xml><?xml version="1.0" encoding="utf-8"?>
+<p:sld xmlns:a="http://schemas.openxmlformats.org/drawingml/2006/main" xmlns:r="http://schemas.openxmlformats.org/officeDocument/2006/relationships" xmlns:p="http://schemas.openxmlformats.org/presentationml/2006/main">
+  <p:cSld>
+    <p:spTree>
+      <p:nvGrpSpPr>
+        <p:cNvPr id="1" name=""/>
+        <p:cNvGrpSpPr/>
+        <p:nvPr/>
+      </p:nvGrpSpPr>
+      <p:grpSpPr>
+        <a:xfrm>
+          <a:off x="0" y="0"/>
+          <a:ext cx="0" cy="0"/>
+          <a:chOff x="0" y="0"/>
+          <a:chExt cx="0" cy="0"/>
+        </a:xfrm>
+      </p:grpSpPr>
+      <p:sp>
+        <p:nvSpPr>
+          <p:cNvPr id="2" name="Title 1"/>
+          <p:cNvSpPr>
+            <a:spLocks noGrp="1"/>
+          </p:cNvSpPr>
+          <p:nvPr>
+            <p:ph type="title"/>
+          </p:nvPr>
+        </p:nvSpPr>
+        <p:spPr/>
+        <p:txBody>
+          <a:bodyPr/>
+          <a:lstStyle/>
+          <a:p>
+            <a:r>
+              <a:rPr lang="en-US" dirty="0" smtClean="0"/>
+              <a:t>Packer build service</a:t>
+            </a:r>
+            <a:endParaRPr lang="en-US" dirty="0"/>
+          </a:p>
+        </p:txBody>
+      </p:sp>
+      <p:pic>
+        <p:nvPicPr>
+          <p:cNvPr id="4" name="Content Placeholder 3" descr="Screenshot 2015-05-04 21.40.25.png"/>
+          <p:cNvPicPr>
+            <a:picLocks noGrp="1" noChangeAspect="1"/>
+          </p:cNvPicPr>
+          <p:nvPr>
+            <p:ph idx="1"/>
+          </p:nvPr>
+        </p:nvPicPr>
+        <p:blipFill>
+          <a:blip r:embed="rId2">
+            <a:extLst>
+              <a:ext uri="{28A0092B-C50C-407E-A947-70E740481C1C}">
+                <a14:useLocalDpi xmlns:a14="http://schemas.microsoft.com/office/drawing/2010/main" val="0"/>
+              </a:ext>
+            </a:extLst>
+          </a:blip>
+          <a:stretch>
+            <a:fillRect/>
+          </a:stretch>
+        </p:blipFill>
+        <p:spPr>
+          <a:xfrm>
+            <a:off x="3077963" y="1825625"/>
+            <a:ext cx="6036073" cy="4351338"/>
+          </a:xfrm>
+        </p:spPr>
+      </p:pic>
+    </p:spTree>
+    <p:extLst>
+      <p:ext uri="{BB962C8B-B14F-4D97-AF65-F5344CB8AC3E}">
+        <p14:creationId xmlns:p14="http://schemas.microsoft.com/office/powerpoint/2010/main" val="135497281"/>
+      </p:ext>
+    </p:extLst>
+  </p:cSld>
+  <p:clrMapOvr>
+    <a:masterClrMapping/>
+  </p:clrMapOvr>
+</p:sld>
+</file>
+
+<file path=ppt/slides/slide21.xml><?xml version="1.0" encoding="utf-8"?>
+<p:sld xmlns:a="http://schemas.openxmlformats.org/drawingml/2006/main" xmlns:r="http://schemas.openxmlformats.org/officeDocument/2006/relationships" xmlns:p="http://schemas.openxmlformats.org/presentationml/2006/main">
+  <p:cSld>
+    <p:spTree>
+      <p:nvGrpSpPr>
+        <p:cNvPr id="1" name=""/>
+        <p:cNvGrpSpPr/>
+        <p:nvPr/>
+      </p:nvGrpSpPr>
+      <p:grpSpPr>
+        <a:xfrm>
+          <a:off x="0" y="0"/>
+          <a:ext cx="0" cy="0"/>
+          <a:chOff x="0" y="0"/>
+          <a:chExt cx="0" cy="0"/>
+        </a:xfrm>
+      </p:grpSpPr>
+      <p:sp>
+        <p:nvSpPr>
+          <p:cNvPr id="2" name="Title 1"/>
+          <p:cNvSpPr>
+            <a:spLocks noGrp="1"/>
+          </p:cNvSpPr>
+          <p:nvPr>
+            <p:ph type="title"/>
+          </p:nvPr>
+        </p:nvSpPr>
+        <p:spPr/>
+        <p:txBody>
+          <a:bodyPr/>
+          <a:lstStyle/>
+          <a:p>
+            <a:endParaRPr lang="en-US"/>
+          </a:p>
+        </p:txBody>
+      </p:sp>
+      <p:sp>
+        <p:nvSpPr>
+          <p:cNvPr id="3" name="Content Placeholder 2"/>
+          <p:cNvSpPr>
+            <a:spLocks noGrp="1"/>
+          </p:cNvSpPr>
+          <p:nvPr>
+            <p:ph idx="1"/>
+          </p:nvPr>
+        </p:nvSpPr>
+        <p:spPr/>
+        <p:txBody>
+          <a:bodyPr/>
+          <a:lstStyle/>
+          <a:p>
+            <a:endParaRPr lang="en-US"/>
+          </a:p>
+        </p:txBody>
+      </p:sp>
+    </p:spTree>
+    <p:extLst>
+      <p:ext uri="{BB962C8B-B14F-4D97-AF65-F5344CB8AC3E}">
+        <p14:creationId xmlns:p14="http://schemas.microsoft.com/office/powerpoint/2010/main" val="1330573317"/>
+      </p:ext>
+    </p:extLst>
+  </p:cSld>
+  <p:clrMapOvr>
+    <a:masterClrMapping/>
+  </p:clrMapOvr>
 </p:sld>
 </file>
 
